--- a/presentation/Electric Grid Analysis.pptx
+++ b/presentation/Electric Grid Analysis.pptx
@@ -4,11 +4,17 @@
   <p:sldMasterIdLst>
     <p:sldMasterId id="2147483648" r:id="rId1"/>
   </p:sldMasterIdLst>
+  <p:notesMasterIdLst>
+    <p:notesMasterId r:id="rId9"/>
+  </p:notesMasterIdLst>
   <p:sldIdLst>
     <p:sldId id="256" r:id="rId2"/>
-    <p:sldId id="257" r:id="rId3"/>
-    <p:sldId id="258" r:id="rId4"/>
-    <p:sldId id="259" r:id="rId5"/>
+    <p:sldId id="262" r:id="rId3"/>
+    <p:sldId id="257" r:id="rId4"/>
+    <p:sldId id="258" r:id="rId5"/>
+    <p:sldId id="259" r:id="rId6"/>
+    <p:sldId id="261" r:id="rId7"/>
+    <p:sldId id="263" r:id="rId8"/>
   </p:sldIdLst>
   <p:sldSz cx="12192000" cy="6858000"/>
   <p:notesSz cx="6858000" cy="9144000"/>
@@ -107,6 +113,11 @@
       </a:defRPr>
     </a:lvl9pPr>
   </p:defaultTextStyle>
+  <p:extLst>
+    <p:ext uri="{EFAFB233-063F-42B5-8137-9DF3F51BA10A}">
+      <p15:sldGuideLst xmlns:p15="http://schemas.microsoft.com/office/powerpoint/2012/main"/>
+    </p:ext>
+  </p:extLst>
 </p:presentation>
 </file>
 
@@ -160,6 +171,439 @@
     </p188:txBody>
   </p188:cm>
 </p188:cmLst>
+</file>
+
+<file path=ppt/notesMasters/notesMaster1.xml><?xml version="1.0" encoding="utf-8"?>
+<p:notesMaster xmlns:a="http://schemas.openxmlformats.org/drawingml/2006/main" xmlns:r="http://schemas.openxmlformats.org/officeDocument/2006/relationships" xmlns:p="http://schemas.openxmlformats.org/presentationml/2006/main">
+  <p:cSld>
+    <p:bg>
+      <p:bgRef idx="1001">
+        <a:schemeClr val="bg1"/>
+      </p:bgRef>
+    </p:bg>
+    <p:spTree>
+      <p:nvGrpSpPr>
+        <p:cNvPr id="1" name=""/>
+        <p:cNvGrpSpPr/>
+        <p:nvPr/>
+      </p:nvGrpSpPr>
+      <p:grpSpPr>
+        <a:xfrm>
+          <a:off x="0" y="0"/>
+          <a:ext cx="0" cy="0"/>
+          <a:chOff x="0" y="0"/>
+          <a:chExt cx="0" cy="0"/>
+        </a:xfrm>
+      </p:grpSpPr>
+      <p:sp>
+        <p:nvSpPr>
+          <p:cNvPr id="2" name="Označba mesta glave 1"/>
+          <p:cNvSpPr>
+            <a:spLocks noGrp="1"/>
+          </p:cNvSpPr>
+          <p:nvPr>
+            <p:ph type="hdr" sz="quarter"/>
+          </p:nvPr>
+        </p:nvSpPr>
+        <p:spPr>
+          <a:xfrm>
+            <a:off x="0" y="0"/>
+            <a:ext cx="2971800" cy="458788"/>
+          </a:xfrm>
+          <a:prstGeom prst="rect">
+            <a:avLst/>
+          </a:prstGeom>
+        </p:spPr>
+        <p:txBody>
+          <a:bodyPr vert="horz" lIns="91440" tIns="45720" rIns="91440" bIns="45720" rtlCol="0"/>
+          <a:lstStyle>
+            <a:lvl1pPr algn="l">
+              <a:defRPr sz="1200"/>
+            </a:lvl1pPr>
+          </a:lstStyle>
+          <a:p>
+            <a:endParaRPr lang="sl-SI"/>
+          </a:p>
+        </p:txBody>
+      </p:sp>
+      <p:sp>
+        <p:nvSpPr>
+          <p:cNvPr id="3" name="Označba mesta datuma 2"/>
+          <p:cNvSpPr>
+            <a:spLocks noGrp="1"/>
+          </p:cNvSpPr>
+          <p:nvPr>
+            <p:ph type="dt" idx="1"/>
+          </p:nvPr>
+        </p:nvSpPr>
+        <p:spPr>
+          <a:xfrm>
+            <a:off x="3884613" y="0"/>
+            <a:ext cx="2971800" cy="458788"/>
+          </a:xfrm>
+          <a:prstGeom prst="rect">
+            <a:avLst/>
+          </a:prstGeom>
+        </p:spPr>
+        <p:txBody>
+          <a:bodyPr vert="horz" lIns="91440" tIns="45720" rIns="91440" bIns="45720" rtlCol="0"/>
+          <a:lstStyle>
+            <a:lvl1pPr algn="r">
+              <a:defRPr sz="1200"/>
+            </a:lvl1pPr>
+          </a:lstStyle>
+          <a:p>
+            <a:fld id="{78FA5AD0-027D-4F24-BAD4-99D4ADF219C5}" type="datetimeFigureOut">
+              <a:rPr lang="sl-SI" smtClean="0"/>
+              <a:t>15. 05. 2024</a:t>
+            </a:fld>
+            <a:endParaRPr lang="sl-SI"/>
+          </a:p>
+        </p:txBody>
+      </p:sp>
+      <p:sp>
+        <p:nvSpPr>
+          <p:cNvPr id="4" name="Označba mesta stranske slike 3"/>
+          <p:cNvSpPr>
+            <a:spLocks noGrp="1" noRot="1" noChangeAspect="1"/>
+          </p:cNvSpPr>
+          <p:nvPr>
+            <p:ph type="sldImg" idx="2"/>
+          </p:nvPr>
+        </p:nvSpPr>
+        <p:spPr>
+          <a:xfrm>
+            <a:off x="685800" y="1143000"/>
+            <a:ext cx="5486400" cy="3086100"/>
+          </a:xfrm>
+          <a:prstGeom prst="rect">
+            <a:avLst/>
+          </a:prstGeom>
+          <a:noFill/>
+          <a:ln w="12700">
+            <a:solidFill>
+              <a:prstClr val="black"/>
+            </a:solidFill>
+          </a:ln>
+        </p:spPr>
+        <p:txBody>
+          <a:bodyPr vert="horz" lIns="91440" tIns="45720" rIns="91440" bIns="45720" rtlCol="0" anchor="ctr"/>
+          <a:lstStyle/>
+          <a:p>
+            <a:endParaRPr lang="sl-SI"/>
+          </a:p>
+        </p:txBody>
+      </p:sp>
+      <p:sp>
+        <p:nvSpPr>
+          <p:cNvPr id="5" name="Označba mesta opomb 4"/>
+          <p:cNvSpPr>
+            <a:spLocks noGrp="1"/>
+          </p:cNvSpPr>
+          <p:nvPr>
+            <p:ph type="body" sz="quarter" idx="3"/>
+          </p:nvPr>
+        </p:nvSpPr>
+        <p:spPr>
+          <a:xfrm>
+            <a:off x="685800" y="4400550"/>
+            <a:ext cx="5486400" cy="3600450"/>
+          </a:xfrm>
+          <a:prstGeom prst="rect">
+            <a:avLst/>
+          </a:prstGeom>
+        </p:spPr>
+        <p:txBody>
+          <a:bodyPr vert="horz" lIns="91440" tIns="45720" rIns="91440" bIns="45720" rtlCol="0"/>
+          <a:lstStyle/>
+          <a:p>
+            <a:pPr lvl="0"/>
+            <a:r>
+              <a:rPr lang="sl-SI"/>
+              <a:t>Kliknite za urejanje slogov besedila matrice</a:t>
+            </a:r>
+          </a:p>
+          <a:p>
+            <a:pPr lvl="1"/>
+            <a:r>
+              <a:rPr lang="sl-SI"/>
+              <a:t>Druga raven</a:t>
+            </a:r>
+          </a:p>
+          <a:p>
+            <a:pPr lvl="2"/>
+            <a:r>
+              <a:rPr lang="sl-SI"/>
+              <a:t>Tretja raven</a:t>
+            </a:r>
+          </a:p>
+          <a:p>
+            <a:pPr lvl="3"/>
+            <a:r>
+              <a:rPr lang="sl-SI"/>
+              <a:t>Četrta raven</a:t>
+            </a:r>
+          </a:p>
+          <a:p>
+            <a:pPr lvl="4"/>
+            <a:r>
+              <a:rPr lang="sl-SI"/>
+              <a:t>Peta raven</a:t>
+            </a:r>
+          </a:p>
+        </p:txBody>
+      </p:sp>
+      <p:sp>
+        <p:nvSpPr>
+          <p:cNvPr id="6" name="Označba mesta noge 5"/>
+          <p:cNvSpPr>
+            <a:spLocks noGrp="1"/>
+          </p:cNvSpPr>
+          <p:nvPr>
+            <p:ph type="ftr" sz="quarter" idx="4"/>
+          </p:nvPr>
+        </p:nvSpPr>
+        <p:spPr>
+          <a:xfrm>
+            <a:off x="0" y="8685213"/>
+            <a:ext cx="2971800" cy="458787"/>
+          </a:xfrm>
+          <a:prstGeom prst="rect">
+            <a:avLst/>
+          </a:prstGeom>
+        </p:spPr>
+        <p:txBody>
+          <a:bodyPr vert="horz" lIns="91440" tIns="45720" rIns="91440" bIns="45720" rtlCol="0" anchor="b"/>
+          <a:lstStyle>
+            <a:lvl1pPr algn="l">
+              <a:defRPr sz="1200"/>
+            </a:lvl1pPr>
+          </a:lstStyle>
+          <a:p>
+            <a:endParaRPr lang="sl-SI"/>
+          </a:p>
+        </p:txBody>
+      </p:sp>
+      <p:sp>
+        <p:nvSpPr>
+          <p:cNvPr id="7" name="Označba mesta številke diapozitiva 6"/>
+          <p:cNvSpPr>
+            <a:spLocks noGrp="1"/>
+          </p:cNvSpPr>
+          <p:nvPr>
+            <p:ph type="sldNum" sz="quarter" idx="5"/>
+          </p:nvPr>
+        </p:nvSpPr>
+        <p:spPr>
+          <a:xfrm>
+            <a:off x="3884613" y="8685213"/>
+            <a:ext cx="2971800" cy="458787"/>
+          </a:xfrm>
+          <a:prstGeom prst="rect">
+            <a:avLst/>
+          </a:prstGeom>
+        </p:spPr>
+        <p:txBody>
+          <a:bodyPr vert="horz" lIns="91440" tIns="45720" rIns="91440" bIns="45720" rtlCol="0" anchor="b"/>
+          <a:lstStyle>
+            <a:lvl1pPr algn="r">
+              <a:defRPr sz="1200"/>
+            </a:lvl1pPr>
+          </a:lstStyle>
+          <a:p>
+            <a:fld id="{9CCB1A73-29C2-4764-9300-68C749274BBC}" type="slidenum">
+              <a:rPr lang="sl-SI" smtClean="0"/>
+              <a:t>‹#›</a:t>
+            </a:fld>
+            <a:endParaRPr lang="sl-SI"/>
+          </a:p>
+        </p:txBody>
+      </p:sp>
+    </p:spTree>
+    <p:extLst>
+      <p:ext uri="{BB962C8B-B14F-4D97-AF65-F5344CB8AC3E}">
+        <p14:creationId xmlns:p14="http://schemas.microsoft.com/office/powerpoint/2010/main" val="3809318738"/>
+      </p:ext>
+    </p:extLst>
+  </p:cSld>
+  <p:clrMap bg1="lt1" tx1="dk1" bg2="lt2" tx2="dk2" accent1="accent1" accent2="accent2" accent3="accent3" accent4="accent4" accent5="accent5" accent6="accent6" hlink="hlink" folHlink="folHlink"/>
+  <p:notesStyle>
+    <a:lvl1pPr marL="0" algn="l" defTabSz="914400" rtl="0" eaLnBrk="1" latinLnBrk="0" hangingPunct="1">
+      <a:defRPr sz="1200" kern="1200">
+        <a:solidFill>
+          <a:schemeClr val="tx1"/>
+        </a:solidFill>
+        <a:latin typeface="+mn-lt"/>
+        <a:ea typeface="+mn-ea"/>
+        <a:cs typeface="+mn-cs"/>
+      </a:defRPr>
+    </a:lvl1pPr>
+    <a:lvl2pPr marL="457200" algn="l" defTabSz="914400" rtl="0" eaLnBrk="1" latinLnBrk="0" hangingPunct="1">
+      <a:defRPr sz="1200" kern="1200">
+        <a:solidFill>
+          <a:schemeClr val="tx1"/>
+        </a:solidFill>
+        <a:latin typeface="+mn-lt"/>
+        <a:ea typeface="+mn-ea"/>
+        <a:cs typeface="+mn-cs"/>
+      </a:defRPr>
+    </a:lvl2pPr>
+    <a:lvl3pPr marL="914400" algn="l" defTabSz="914400" rtl="0" eaLnBrk="1" latinLnBrk="0" hangingPunct="1">
+      <a:defRPr sz="1200" kern="1200">
+        <a:solidFill>
+          <a:schemeClr val="tx1"/>
+        </a:solidFill>
+        <a:latin typeface="+mn-lt"/>
+        <a:ea typeface="+mn-ea"/>
+        <a:cs typeface="+mn-cs"/>
+      </a:defRPr>
+    </a:lvl3pPr>
+    <a:lvl4pPr marL="1371600" algn="l" defTabSz="914400" rtl="0" eaLnBrk="1" latinLnBrk="0" hangingPunct="1">
+      <a:defRPr sz="1200" kern="1200">
+        <a:solidFill>
+          <a:schemeClr val="tx1"/>
+        </a:solidFill>
+        <a:latin typeface="+mn-lt"/>
+        <a:ea typeface="+mn-ea"/>
+        <a:cs typeface="+mn-cs"/>
+      </a:defRPr>
+    </a:lvl4pPr>
+    <a:lvl5pPr marL="1828800" algn="l" defTabSz="914400" rtl="0" eaLnBrk="1" latinLnBrk="0" hangingPunct="1">
+      <a:defRPr sz="1200" kern="1200">
+        <a:solidFill>
+          <a:schemeClr val="tx1"/>
+        </a:solidFill>
+        <a:latin typeface="+mn-lt"/>
+        <a:ea typeface="+mn-ea"/>
+        <a:cs typeface="+mn-cs"/>
+      </a:defRPr>
+    </a:lvl5pPr>
+    <a:lvl6pPr marL="2286000" algn="l" defTabSz="914400" rtl="0" eaLnBrk="1" latinLnBrk="0" hangingPunct="1">
+      <a:defRPr sz="1200" kern="1200">
+        <a:solidFill>
+          <a:schemeClr val="tx1"/>
+        </a:solidFill>
+        <a:latin typeface="+mn-lt"/>
+        <a:ea typeface="+mn-ea"/>
+        <a:cs typeface="+mn-cs"/>
+      </a:defRPr>
+    </a:lvl6pPr>
+    <a:lvl7pPr marL="2743200" algn="l" defTabSz="914400" rtl="0" eaLnBrk="1" latinLnBrk="0" hangingPunct="1">
+      <a:defRPr sz="1200" kern="1200">
+        <a:solidFill>
+          <a:schemeClr val="tx1"/>
+        </a:solidFill>
+        <a:latin typeface="+mn-lt"/>
+        <a:ea typeface="+mn-ea"/>
+        <a:cs typeface="+mn-cs"/>
+      </a:defRPr>
+    </a:lvl7pPr>
+    <a:lvl8pPr marL="3200400" algn="l" defTabSz="914400" rtl="0" eaLnBrk="1" latinLnBrk="0" hangingPunct="1">
+      <a:defRPr sz="1200" kern="1200">
+        <a:solidFill>
+          <a:schemeClr val="tx1"/>
+        </a:solidFill>
+        <a:latin typeface="+mn-lt"/>
+        <a:ea typeface="+mn-ea"/>
+        <a:cs typeface="+mn-cs"/>
+      </a:defRPr>
+    </a:lvl8pPr>
+    <a:lvl9pPr marL="3657600" algn="l" defTabSz="914400" rtl="0" eaLnBrk="1" latinLnBrk="0" hangingPunct="1">
+      <a:defRPr sz="1200" kern="1200">
+        <a:solidFill>
+          <a:schemeClr val="tx1"/>
+        </a:solidFill>
+        <a:latin typeface="+mn-lt"/>
+        <a:ea typeface="+mn-ea"/>
+        <a:cs typeface="+mn-cs"/>
+      </a:defRPr>
+    </a:lvl9pPr>
+  </p:notesStyle>
+</p:notesMaster>
+</file>
+
+<file path=ppt/notesSlides/notesSlide1.xml><?xml version="1.0" encoding="utf-8"?>
+<p:notes xmlns:a="http://schemas.openxmlformats.org/drawingml/2006/main" xmlns:r="http://schemas.openxmlformats.org/officeDocument/2006/relationships" xmlns:p="http://schemas.openxmlformats.org/presentationml/2006/main">
+  <p:cSld>
+    <p:spTree>
+      <p:nvGrpSpPr>
+        <p:cNvPr id="1" name=""/>
+        <p:cNvGrpSpPr/>
+        <p:nvPr/>
+      </p:nvGrpSpPr>
+      <p:grpSpPr>
+        <a:xfrm>
+          <a:off x="0" y="0"/>
+          <a:ext cx="0" cy="0"/>
+          <a:chOff x="0" y="0"/>
+          <a:chExt cx="0" cy="0"/>
+        </a:xfrm>
+      </p:grpSpPr>
+      <p:sp>
+        <p:nvSpPr>
+          <p:cNvPr id="2" name="Označba mesta stranske slike 1"/>
+          <p:cNvSpPr>
+            <a:spLocks noGrp="1" noRot="1" noChangeAspect="1"/>
+          </p:cNvSpPr>
+          <p:nvPr>
+            <p:ph type="sldImg"/>
+          </p:nvPr>
+        </p:nvSpPr>
+        <p:spPr/>
+      </p:sp>
+      <p:sp>
+        <p:nvSpPr>
+          <p:cNvPr id="3" name="Označba mesta opomb 2"/>
+          <p:cNvSpPr>
+            <a:spLocks noGrp="1"/>
+          </p:cNvSpPr>
+          <p:nvPr>
+            <p:ph type="body" idx="1"/>
+          </p:nvPr>
+        </p:nvSpPr>
+        <p:spPr/>
+        <p:txBody>
+          <a:bodyPr/>
+          <a:lstStyle/>
+          <a:p>
+            <a:endParaRPr lang="sl-SI" dirty="0"/>
+          </a:p>
+        </p:txBody>
+      </p:sp>
+      <p:sp>
+        <p:nvSpPr>
+          <p:cNvPr id="4" name="Označba mesta številke diapozitiva 3"/>
+          <p:cNvSpPr>
+            <a:spLocks noGrp="1"/>
+          </p:cNvSpPr>
+          <p:nvPr>
+            <p:ph type="sldNum" sz="quarter" idx="5"/>
+          </p:nvPr>
+        </p:nvSpPr>
+        <p:spPr/>
+        <p:txBody>
+          <a:bodyPr/>
+          <a:lstStyle/>
+          <a:p>
+            <a:fld id="{9CCB1A73-29C2-4764-9300-68C749274BBC}" type="slidenum">
+              <a:rPr lang="sl-SI" smtClean="0"/>
+              <a:t>7</a:t>
+            </a:fld>
+            <a:endParaRPr lang="sl-SI"/>
+          </a:p>
+        </p:txBody>
+      </p:sp>
+    </p:spTree>
+    <p:extLst>
+      <p:ext uri="{BB962C8B-B14F-4D97-AF65-F5344CB8AC3E}">
+        <p14:creationId xmlns:p14="http://schemas.microsoft.com/office/powerpoint/2010/main" val="1830186436"/>
+      </p:ext>
+    </p:extLst>
+  </p:cSld>
+  <p:clrMapOvr>
+    <a:masterClrMapping/>
+  </p:clrMapOvr>
+</p:notes>
 </file>
 
 <file path=ppt/slideLayouts/slideLayout1.xml><?xml version="1.0" encoding="utf-8"?>
@@ -3563,7 +4007,7 @@
           <a:p>
             <a:r>
               <a:rPr lang="en-US" dirty="0"/>
-              <a:t>Dataset Exploration</a:t>
+              <a:t>Overall direction</a:t>
             </a:r>
             <a:endParaRPr lang="sl-SI" dirty="0"/>
           </a:p>
@@ -3592,46 +4036,325 @@
           <a:p>
             <a:r>
               <a:rPr lang="en-US" dirty="0"/>
-              <a:t>Comparison with Ground Truth rules:</a:t>
-            </a:r>
-          </a:p>
-          <a:p>
-            <a:pPr lvl="1"/>
+              <a:t>Replicate grid behavior with a model</a:t>
+            </a:r>
+          </a:p>
+          <a:p>
             <a:r>
               <a:rPr lang="en-US" dirty="0"/>
-              <a:t>Limited dataset (no instances above 80%)</a:t>
-            </a:r>
-          </a:p>
-          <a:p>
-            <a:pPr lvl="1"/>
-            <a:r>
-              <a:rPr lang="en-US" dirty="0"/>
-              <a:t>Battery doesn’t operate at full capacity</a:t>
-            </a:r>
-          </a:p>
-          <a:p>
-            <a:pPr lvl="1"/>
-            <a:r>
-              <a:rPr lang="en-US" dirty="0"/>
-              <a:t>Still providing power at SOC &lt; 15%</a:t>
-            </a:r>
-          </a:p>
-          <a:p>
-            <a:r>
-              <a:rPr lang="en-US" dirty="0"/>
-              <a:t>Overall ~16% compliance</a:t>
+              <a:t>Compare two different approaches:</a:t>
             </a:r>
           </a:p>
           <a:p>
             <a:pPr lvl="1"/>
             <a:endParaRPr lang="en-US" dirty="0"/>
+          </a:p>
+        </p:txBody>
+      </p:sp>
+      <p:sp>
+        <p:nvSpPr>
+          <p:cNvPr id="6" name="Pravokotnik: zaokroženi vogali 5">
+            <a:extLst>
+              <a:ext uri="{FF2B5EF4-FFF2-40B4-BE49-F238E27FC236}">
+                <a16:creationId xmlns:a16="http://schemas.microsoft.com/office/drawing/2014/main" id="{83061F22-5E9C-99B4-41DD-6B9DE1F3B370}"/>
+              </a:ext>
+            </a:extLst>
+          </p:cNvPr>
+          <p:cNvSpPr/>
+          <p:nvPr/>
+        </p:nvSpPr>
+        <p:spPr>
+          <a:xfrm>
+            <a:off x="838200" y="3113088"/>
+            <a:ext cx="5074920" cy="3063875"/>
+          </a:xfrm>
+          <a:prstGeom prst="roundRect">
+            <a:avLst/>
+          </a:prstGeom>
+          <a:solidFill>
+            <a:schemeClr val="tx2">
+              <a:lumMod val="10000"/>
+              <a:lumOff val="90000"/>
+            </a:schemeClr>
+          </a:solidFill>
+        </p:spPr>
+        <p:style>
+          <a:lnRef idx="2">
+            <a:schemeClr val="accent1">
+              <a:shade val="15000"/>
+            </a:schemeClr>
+          </a:lnRef>
+          <a:fillRef idx="1">
+            <a:schemeClr val="accent1"/>
+          </a:fillRef>
+          <a:effectRef idx="0">
+            <a:schemeClr val="accent1"/>
+          </a:effectRef>
+          <a:fontRef idx="minor">
+            <a:schemeClr val="lt1"/>
+          </a:fontRef>
+        </p:style>
+        <p:txBody>
+          <a:bodyPr rtlCol="0" anchor="ctr"/>
+          <a:lstStyle/>
+          <a:p>
+            <a:pPr algn="ctr"/>
+            <a:endParaRPr lang="sl-SI" dirty="0">
+              <a:solidFill>
+                <a:schemeClr val="tx1"/>
+              </a:solidFill>
+            </a:endParaRPr>
+          </a:p>
+        </p:txBody>
+      </p:sp>
+      <p:sp>
+        <p:nvSpPr>
+          <p:cNvPr id="7" name="Pravokotnik: zaokroženi vogali 6">
+            <a:extLst>
+              <a:ext uri="{FF2B5EF4-FFF2-40B4-BE49-F238E27FC236}">
+                <a16:creationId xmlns:a16="http://schemas.microsoft.com/office/drawing/2014/main" id="{9437B1AF-BC38-CD64-B2ED-3FAE34A4DBCE}"/>
+              </a:ext>
+            </a:extLst>
+          </p:cNvPr>
+          <p:cNvSpPr/>
+          <p:nvPr/>
+        </p:nvSpPr>
+        <p:spPr>
+          <a:xfrm>
+            <a:off x="6393180" y="3113087"/>
+            <a:ext cx="5074920" cy="3063875"/>
+          </a:xfrm>
+          <a:prstGeom prst="roundRect">
+            <a:avLst/>
+          </a:prstGeom>
+          <a:solidFill>
+            <a:schemeClr val="tx2">
+              <a:lumMod val="10000"/>
+              <a:lumOff val="90000"/>
+            </a:schemeClr>
+          </a:solidFill>
+        </p:spPr>
+        <p:style>
+          <a:lnRef idx="2">
+            <a:schemeClr val="accent1">
+              <a:shade val="15000"/>
+            </a:schemeClr>
+          </a:lnRef>
+          <a:fillRef idx="1">
+            <a:schemeClr val="accent1"/>
+          </a:fillRef>
+          <a:effectRef idx="0">
+            <a:schemeClr val="accent1"/>
+          </a:effectRef>
+          <a:fontRef idx="minor">
+            <a:schemeClr val="lt1"/>
+          </a:fontRef>
+        </p:style>
+        <p:txBody>
+          <a:bodyPr rtlCol="0" anchor="ctr"/>
+          <a:lstStyle/>
+          <a:p>
+            <a:pPr algn="ctr"/>
+            <a:endParaRPr lang="sl-SI"/>
+          </a:p>
+        </p:txBody>
+      </p:sp>
+      <p:sp>
+        <p:nvSpPr>
+          <p:cNvPr id="8" name="PoljeZBesedilom 7">
+            <a:extLst>
+              <a:ext uri="{FF2B5EF4-FFF2-40B4-BE49-F238E27FC236}">
+                <a16:creationId xmlns:a16="http://schemas.microsoft.com/office/drawing/2014/main" id="{61096A3D-E07F-6713-C57A-AB1ADEF89A82}"/>
+              </a:ext>
+            </a:extLst>
+          </p:cNvPr>
+          <p:cNvSpPr txBox="1"/>
+          <p:nvPr/>
+        </p:nvSpPr>
+        <p:spPr>
+          <a:xfrm>
+            <a:off x="1049606" y="3189010"/>
+            <a:ext cx="4652107" cy="646331"/>
+          </a:xfrm>
+          <a:prstGeom prst="rect">
+            <a:avLst/>
+          </a:prstGeom>
+          <a:noFill/>
+        </p:spPr>
+        <p:txBody>
+          <a:bodyPr wrap="none" rtlCol="0">
+            <a:spAutoFit/>
+          </a:bodyPr>
+          <a:lstStyle/>
+          <a:p>
+            <a:r>
+              <a:rPr lang="en-US" sz="3600" dirty="0"/>
+              <a:t>Logic Tensor Networks</a:t>
+            </a:r>
+            <a:endParaRPr lang="sl-SI" sz="3600" dirty="0"/>
+          </a:p>
+        </p:txBody>
+      </p:sp>
+      <p:sp>
+        <p:nvSpPr>
+          <p:cNvPr id="9" name="PoljeZBesedilom 8">
+            <a:extLst>
+              <a:ext uri="{FF2B5EF4-FFF2-40B4-BE49-F238E27FC236}">
+                <a16:creationId xmlns:a16="http://schemas.microsoft.com/office/drawing/2014/main" id="{C9460F98-40BE-98F7-DDBA-C646AF1F3156}"/>
+              </a:ext>
+            </a:extLst>
+          </p:cNvPr>
+          <p:cNvSpPr txBox="1"/>
+          <p:nvPr/>
+        </p:nvSpPr>
+        <p:spPr>
+          <a:xfrm>
+            <a:off x="6773352" y="3189010"/>
+            <a:ext cx="4451283" cy="646331"/>
+          </a:xfrm>
+          <a:prstGeom prst="rect">
+            <a:avLst/>
+          </a:prstGeom>
+          <a:noFill/>
+        </p:spPr>
+        <p:txBody>
+          <a:bodyPr wrap="none" rtlCol="0" anchor="ctr">
+            <a:spAutoFit/>
+          </a:bodyPr>
+          <a:lstStyle/>
+          <a:p>
+            <a:r>
+              <a:rPr lang="en-US" sz="3600" dirty="0"/>
+              <a:t>Deep Neural Network</a:t>
+            </a:r>
+            <a:endParaRPr lang="sl-SI" sz="3600" dirty="0"/>
+          </a:p>
+        </p:txBody>
+      </p:sp>
+      <p:sp>
+        <p:nvSpPr>
+          <p:cNvPr id="10" name="PoljeZBesedilom 9">
+            <a:extLst>
+              <a:ext uri="{FF2B5EF4-FFF2-40B4-BE49-F238E27FC236}">
+                <a16:creationId xmlns:a16="http://schemas.microsoft.com/office/drawing/2014/main" id="{5D10CF3F-26FC-EA87-19D6-D3FD4D7BF354}"/>
+              </a:ext>
+            </a:extLst>
+          </p:cNvPr>
+          <p:cNvSpPr txBox="1"/>
+          <p:nvPr/>
+        </p:nvSpPr>
+        <p:spPr>
+          <a:xfrm>
+            <a:off x="6773352" y="4057411"/>
+            <a:ext cx="4145879" cy="1200329"/>
+          </a:xfrm>
+          <a:prstGeom prst="rect">
+            <a:avLst/>
+          </a:prstGeom>
+          <a:noFill/>
+        </p:spPr>
+        <p:txBody>
+          <a:bodyPr wrap="none" rtlCol="0">
+            <a:spAutoFit/>
+          </a:bodyPr>
+          <a:lstStyle/>
+          <a:p>
+            <a:pPr marL="285750" indent="-285750">
+              <a:buFont typeface="Arial" panose="020B0604020202020204" pitchFamily="34" charset="0"/>
+              <a:buChar char="•"/>
+            </a:pPr>
+            <a:r>
+              <a:rPr lang="en-US" dirty="0"/>
+              <a:t>Focus on accuracy</a:t>
+            </a:r>
+          </a:p>
+          <a:p>
+            <a:pPr marL="285750" indent="-285750">
+              <a:buFont typeface="Arial" panose="020B0604020202020204" pitchFamily="34" charset="0"/>
+              <a:buChar char="•"/>
+            </a:pPr>
+            <a:r>
+              <a:rPr lang="en-US" dirty="0"/>
+              <a:t>Explainability with post-hoc methods</a:t>
+            </a:r>
+          </a:p>
+          <a:p>
+            <a:pPr marL="742950" lvl="1" indent="-285750">
+              <a:buFont typeface="Arial" panose="020B0604020202020204" pitchFamily="34" charset="0"/>
+              <a:buChar char="•"/>
+            </a:pPr>
+            <a:r>
+              <a:rPr lang="en-US" dirty="0"/>
+              <a:t>SHAP</a:t>
+            </a:r>
+          </a:p>
+          <a:p>
+            <a:pPr marL="742950" lvl="1" indent="-285750">
+              <a:buFont typeface="Arial" panose="020B0604020202020204" pitchFamily="34" charset="0"/>
+              <a:buChar char="•"/>
+            </a:pPr>
+            <a:r>
+              <a:rPr lang="en-US" dirty="0"/>
+              <a:t>Counterfactual</a:t>
+            </a:r>
+            <a:endParaRPr lang="sl-SI" dirty="0"/>
+          </a:p>
+        </p:txBody>
+      </p:sp>
+      <p:sp>
+        <p:nvSpPr>
+          <p:cNvPr id="11" name="PoljeZBesedilom 10">
+            <a:extLst>
+              <a:ext uri="{FF2B5EF4-FFF2-40B4-BE49-F238E27FC236}">
+                <a16:creationId xmlns:a16="http://schemas.microsoft.com/office/drawing/2014/main" id="{43A54625-B33C-D9CA-AC66-9E4DB9128450}"/>
+              </a:ext>
+            </a:extLst>
+          </p:cNvPr>
+          <p:cNvSpPr txBox="1"/>
+          <p:nvPr/>
+        </p:nvSpPr>
+        <p:spPr>
+          <a:xfrm>
+            <a:off x="1157412" y="4057411"/>
+            <a:ext cx="3544128" cy="923330"/>
+          </a:xfrm>
+          <a:prstGeom prst="rect">
+            <a:avLst/>
+          </a:prstGeom>
+          <a:noFill/>
+        </p:spPr>
+        <p:txBody>
+          <a:bodyPr wrap="square" rtlCol="0">
+            <a:spAutoFit/>
+          </a:bodyPr>
+          <a:lstStyle/>
+          <a:p>
+            <a:pPr marL="285750" indent="-285750">
+              <a:buFont typeface="Arial" panose="020B0604020202020204" pitchFamily="34" charset="0"/>
+              <a:buChar char="•"/>
+            </a:pPr>
+            <a:r>
+              <a:rPr lang="en-US" dirty="0"/>
+              <a:t>Focus on deeper explainability</a:t>
+            </a:r>
+          </a:p>
+          <a:p>
+            <a:pPr marL="285750" indent="-285750">
+              <a:buFont typeface="Arial" panose="020B0604020202020204" pitchFamily="34" charset="0"/>
+              <a:buChar char="•"/>
+            </a:pPr>
+            <a:r>
+              <a:rPr lang="en-US" dirty="0"/>
+              <a:t>Rule satisfaction and potential rule-enhanced learning</a:t>
+            </a:r>
+            <a:endParaRPr lang="sl-SI" dirty="0"/>
           </a:p>
         </p:txBody>
       </p:sp>
     </p:spTree>
     <p:extLst>
       <p:ext uri="{BB962C8B-B14F-4D97-AF65-F5344CB8AC3E}">
-        <p14:creationId xmlns:p14="http://schemas.microsoft.com/office/powerpoint/2010/main" val="1134109975"/>
+        <p14:creationId xmlns:p14="http://schemas.microsoft.com/office/powerpoint/2010/main" val="2497231688"/>
       </p:ext>
     </p:extLst>
   </p:cSld>
@@ -3691,7 +4414,7 @@
           <a:p>
             <a:r>
               <a:rPr lang="en-US" dirty="0"/>
-              <a:t>Baseline Models</a:t>
+              <a:t>Dataset Exploration</a:t>
             </a:r>
             <a:endParaRPr lang="sl-SI" dirty="0"/>
           </a:p>
@@ -3720,58 +4443,48 @@
           <a:p>
             <a:r>
               <a:rPr lang="en-US" dirty="0"/>
-              <a:t>Shallow decision trees</a:t>
-            </a:r>
-          </a:p>
-          <a:p>
+              <a:t>Comparison with Ground Truth rules:</a:t>
+            </a:r>
+          </a:p>
+          <a:p>
+            <a:pPr lvl="1"/>
             <a:r>
               <a:rPr lang="en-US" dirty="0"/>
-              <a:t>Trained on the entire dataset and cleaned subset</a:t>
-            </a:r>
-          </a:p>
-          <a:p>
+              <a:t>Limited dataset (no instances above 80%)</a:t>
+            </a:r>
+          </a:p>
+          <a:p>
+            <a:pPr lvl="1"/>
             <a:r>
               <a:rPr lang="en-US" dirty="0"/>
-              <a:t>Extracted thresholds agree with ground truths</a:t>
-            </a:r>
-          </a:p>
-          <a:p>
+              <a:t>Battery doesn’t operate at full capacity</a:t>
+            </a:r>
+          </a:p>
+          <a:p>
+            <a:pPr lvl="1"/>
             <a:r>
               <a:rPr lang="en-US" dirty="0"/>
-              <a:t>Interesting: Bootstrapping reveals important features</a:t>
+              <a:t>Still providing power at SOC &lt; 15%</a:t>
+            </a:r>
+          </a:p>
+          <a:p>
+            <a:r>
+              <a:rPr lang="en-US" dirty="0"/>
+              <a:t>Overall ~16% compliance</a:t>
             </a:r>
           </a:p>
           <a:p>
             <a:pPr lvl="1"/>
-            <a:r>
-              <a:rPr lang="en-US" dirty="0"/>
-              <a:t>Fast-charger power</a:t>
-            </a:r>
-          </a:p>
-          <a:p>
-            <a:pPr lvl="1"/>
-            <a:r>
-              <a:rPr lang="en-US" dirty="0"/>
-              <a:t>Solar power (time of day)</a:t>
-            </a:r>
-          </a:p>
-          <a:p>
-            <a:endParaRPr lang="en-US" dirty="0"/>
-          </a:p>
-          <a:p>
-            <a:pPr marL="457200" lvl="1" indent="0">
-              <a:buNone/>
-            </a:pPr>
             <a:endParaRPr lang="en-US" dirty="0"/>
           </a:p>
         </p:txBody>
       </p:sp>
       <p:pic>
         <p:nvPicPr>
-          <p:cNvPr id="6" name="Slika 5">
-            <a:extLst>
-              <a:ext uri="{FF2B5EF4-FFF2-40B4-BE49-F238E27FC236}">
-                <a16:creationId xmlns:a16="http://schemas.microsoft.com/office/drawing/2014/main" id="{DA7CC770-F099-12CB-DF69-8288A33AEE9E}"/>
+          <p:cNvPr id="9" name="Slika 8" descr="Slika, ki vsebuje besede besedilo, posnetek zaslona, programska oprema, pisava&#10;&#10;Opis je samodejno ustvarjen">
+            <a:extLst>
+              <a:ext uri="{FF2B5EF4-FFF2-40B4-BE49-F238E27FC236}">
+                <a16:creationId xmlns:a16="http://schemas.microsoft.com/office/drawing/2014/main" id="{F5581E09-DFB9-F89B-84FD-9ED4031C025D}"/>
               </a:ext>
             </a:extLst>
           </p:cNvPr>
@@ -3781,15 +4494,21 @@
           <p:nvPr/>
         </p:nvPicPr>
         <p:blipFill>
-          <a:blip r:embed="rId3"/>
+          <a:blip r:embed="rId2">
+            <a:extLst>
+              <a:ext uri="{28A0092B-C50C-407E-A947-70E740481C1C}">
+                <a14:useLocalDpi xmlns:a14="http://schemas.microsoft.com/office/drawing/2010/main" val="0"/>
+              </a:ext>
+            </a:extLst>
+          </a:blip>
           <a:stretch>
             <a:fillRect/>
           </a:stretch>
         </p:blipFill>
         <p:spPr>
           <a:xfrm>
-            <a:off x="6647841" y="3821666"/>
-            <a:ext cx="4614071" cy="2916536"/>
+            <a:off x="838200" y="4069080"/>
+            <a:ext cx="7454266" cy="2484755"/>
           </a:xfrm>
           <a:prstGeom prst="rect">
             <a:avLst/>
@@ -3802,18 +4521,13 @@
     </p:spTree>
     <p:extLst>
       <p:ext uri="{BB962C8B-B14F-4D97-AF65-F5344CB8AC3E}">
-        <p14:creationId xmlns:p14="http://schemas.microsoft.com/office/powerpoint/2010/main" val="3378853582"/>
+        <p14:creationId xmlns:p14="http://schemas.microsoft.com/office/powerpoint/2010/main" val="1134109975"/>
       </p:ext>
     </p:extLst>
   </p:cSld>
   <p:clrMapOvr>
     <a:masterClrMapping/>
   </p:clrMapOvr>
-  <p:extLst>
-    <p:ext uri="{6950BFC3-D8DA-4A85-94F7-54DA5524770B}">
-      <p188:commentRel xmlns:p188="http://schemas.microsoft.com/office/powerpoint/2018/8/main" r:id="rId2"/>
-    </p:ext>
-  </p:extLst>
 </p:sld>
 </file>
 
@@ -3867,7 +4581,7 @@
           <a:p>
             <a:r>
               <a:rPr lang="en-US" dirty="0"/>
-              <a:t>Neural Network Approach</a:t>
+              <a:t>Baseline Models</a:t>
             </a:r>
             <a:endParaRPr lang="sl-SI" dirty="0"/>
           </a:p>
@@ -3889,9 +4603,185 @@
             <p:ph idx="1"/>
           </p:nvPr>
         </p:nvSpPr>
+        <p:spPr/>
+        <p:txBody>
+          <a:bodyPr/>
+          <a:lstStyle/>
+          <a:p>
+            <a:r>
+              <a:rPr lang="en-US" dirty="0"/>
+              <a:t>Shallow decision trees</a:t>
+            </a:r>
+          </a:p>
+          <a:p>
+            <a:r>
+              <a:rPr lang="en-US" dirty="0"/>
+              <a:t>Trained on the entire dataset and cleaned subset</a:t>
+            </a:r>
+          </a:p>
+          <a:p>
+            <a:r>
+              <a:rPr lang="en-US" dirty="0"/>
+              <a:t>Extracted thresholds agree with ground truths</a:t>
+            </a:r>
+          </a:p>
+          <a:p>
+            <a:r>
+              <a:rPr lang="en-US" dirty="0"/>
+              <a:t>Interesting: Bootstrapping reveals important features</a:t>
+            </a:r>
+          </a:p>
+          <a:p>
+            <a:pPr lvl="1"/>
+            <a:r>
+              <a:rPr lang="en-US" dirty="0"/>
+              <a:t>Fast-charger power</a:t>
+            </a:r>
+          </a:p>
+          <a:p>
+            <a:pPr lvl="1"/>
+            <a:r>
+              <a:rPr lang="en-US" dirty="0"/>
+              <a:t>Solar power (time of day)</a:t>
+            </a:r>
+          </a:p>
+          <a:p>
+            <a:endParaRPr lang="en-US" dirty="0"/>
+          </a:p>
+          <a:p>
+            <a:pPr marL="457200" lvl="1" indent="0">
+              <a:buNone/>
+            </a:pPr>
+            <a:endParaRPr lang="en-US" dirty="0"/>
+          </a:p>
+        </p:txBody>
+      </p:sp>
+      <p:pic>
+        <p:nvPicPr>
+          <p:cNvPr id="6" name="Slika 5">
+            <a:extLst>
+              <a:ext uri="{FF2B5EF4-FFF2-40B4-BE49-F238E27FC236}">
+                <a16:creationId xmlns:a16="http://schemas.microsoft.com/office/drawing/2014/main" id="{DA7CC770-F099-12CB-DF69-8288A33AEE9E}"/>
+              </a:ext>
+            </a:extLst>
+          </p:cNvPr>
+          <p:cNvPicPr>
+            <a:picLocks noChangeAspect="1"/>
+          </p:cNvPicPr>
+          <p:nvPr/>
+        </p:nvPicPr>
+        <p:blipFill>
+          <a:blip r:embed="rId3"/>
+          <a:stretch>
+            <a:fillRect/>
+          </a:stretch>
+        </p:blipFill>
         <p:spPr>
           <a:xfrm>
-            <a:off x="838200" y="1825625"/>
+            <a:off x="6914093" y="3851193"/>
+            <a:ext cx="4614071" cy="2916536"/>
+          </a:xfrm>
+          <a:prstGeom prst="rect">
+            <a:avLst/>
+          </a:prstGeom>
+          <a:effectLst>
+            <a:softEdge rad="31750"/>
+          </a:effectLst>
+        </p:spPr>
+      </p:pic>
+    </p:spTree>
+    <p:extLst>
+      <p:ext uri="{BB962C8B-B14F-4D97-AF65-F5344CB8AC3E}">
+        <p14:creationId xmlns:p14="http://schemas.microsoft.com/office/powerpoint/2010/main" val="3378853582"/>
+      </p:ext>
+    </p:extLst>
+  </p:cSld>
+  <p:clrMapOvr>
+    <a:masterClrMapping/>
+  </p:clrMapOvr>
+  <p:extLst>
+    <p:ext uri="{6950BFC3-D8DA-4A85-94F7-54DA5524770B}">
+      <p188:commentRel xmlns:p188="http://schemas.microsoft.com/office/powerpoint/2018/8/main" r:id="rId2"/>
+    </p:ext>
+  </p:extLst>
+</p:sld>
+</file>
+
+<file path=ppt/slides/slide5.xml><?xml version="1.0" encoding="utf-8"?>
+<p:sld xmlns:a="http://schemas.openxmlformats.org/drawingml/2006/main" xmlns:r="http://schemas.openxmlformats.org/officeDocument/2006/relationships" xmlns:p="http://schemas.openxmlformats.org/presentationml/2006/main">
+  <p:cSld>
+    <p:bg>
+      <p:bgPr>
+        <a:solidFill>
+          <a:schemeClr val="bg1">
+            <a:lumMod val="95000"/>
+          </a:schemeClr>
+        </a:solidFill>
+        <a:effectLst/>
+      </p:bgPr>
+    </p:bg>
+    <p:spTree>
+      <p:nvGrpSpPr>
+        <p:cNvPr id="1" name=""/>
+        <p:cNvGrpSpPr/>
+        <p:nvPr/>
+      </p:nvGrpSpPr>
+      <p:grpSpPr>
+        <a:xfrm>
+          <a:off x="0" y="0"/>
+          <a:ext cx="0" cy="0"/>
+          <a:chOff x="0" y="0"/>
+          <a:chExt cx="0" cy="0"/>
+        </a:xfrm>
+      </p:grpSpPr>
+      <p:sp>
+        <p:nvSpPr>
+          <p:cNvPr id="2" name="Naslov 1">
+            <a:extLst>
+              <a:ext uri="{FF2B5EF4-FFF2-40B4-BE49-F238E27FC236}">
+                <a16:creationId xmlns:a16="http://schemas.microsoft.com/office/drawing/2014/main" id="{BA1C1503-D00E-99FF-A07D-87E26855EA09}"/>
+              </a:ext>
+            </a:extLst>
+          </p:cNvPr>
+          <p:cNvSpPr>
+            <a:spLocks noGrp="1"/>
+          </p:cNvSpPr>
+          <p:nvPr>
+            <p:ph type="title"/>
+          </p:nvPr>
+        </p:nvSpPr>
+        <p:spPr/>
+        <p:txBody>
+          <a:bodyPr/>
+          <a:lstStyle/>
+          <a:p>
+            <a:r>
+              <a:rPr lang="en-US" dirty="0"/>
+              <a:t>Neural Network Approach</a:t>
+            </a:r>
+            <a:endParaRPr lang="sl-SI" dirty="0"/>
+          </a:p>
+        </p:txBody>
+      </p:sp>
+      <p:sp>
+        <p:nvSpPr>
+          <p:cNvPr id="3" name="Označba mesta vsebine 2">
+            <a:extLst>
+              <a:ext uri="{FF2B5EF4-FFF2-40B4-BE49-F238E27FC236}">
+                <a16:creationId xmlns:a16="http://schemas.microsoft.com/office/drawing/2014/main" id="{DF908D84-7DD0-983E-5C9B-81FDC75FD339}"/>
+              </a:ext>
+            </a:extLst>
+          </p:cNvPr>
+          <p:cNvSpPr>
+            <a:spLocks noGrp="1"/>
+          </p:cNvSpPr>
+          <p:nvPr>
+            <p:ph idx="1"/>
+          </p:nvPr>
+        </p:nvSpPr>
+        <p:spPr>
+          <a:xfrm>
+            <a:off x="205740" y="1825625"/>
             <a:ext cx="5952565" cy="4351338"/>
           </a:xfrm>
         </p:spPr>
@@ -3913,13 +4803,7 @@
           <a:p>
             <a:r>
               <a:rPr lang="en-US" dirty="0"/>
-              <a:t>Improved thresholds with better performance</a:t>
-            </a:r>
-          </a:p>
-          <a:p>
-            <a:r>
-              <a:rPr lang="en-US" dirty="0"/>
-              <a:t>Two parameter model generalizes with 93% accuracy</a:t>
+              <a:t>Improved thresholds with better performance ~80% accuracy</a:t>
             </a:r>
           </a:p>
           <a:p>
@@ -3935,10 +4819,10 @@
       </p:sp>
       <p:pic>
         <p:nvPicPr>
-          <p:cNvPr id="5" name="Slika 4">
-            <a:extLst>
-              <a:ext uri="{FF2B5EF4-FFF2-40B4-BE49-F238E27FC236}">
-                <a16:creationId xmlns:a16="http://schemas.microsoft.com/office/drawing/2014/main" id="{CB580304-7A4C-D076-30A9-D58BC6DA4B5B}"/>
+          <p:cNvPr id="61" name="Slika 60">
+            <a:extLst>
+              <a:ext uri="{FF2B5EF4-FFF2-40B4-BE49-F238E27FC236}">
+                <a16:creationId xmlns:a16="http://schemas.microsoft.com/office/drawing/2014/main" id="{36F0418D-B07E-3BDE-53BA-8F43E1B9E74A}"/>
               </a:ext>
             </a:extLst>
           </p:cNvPr>
@@ -3955,7 +4839,163 @@
         </p:blipFill>
         <p:spPr>
           <a:xfrm>
-            <a:off x="6519611" y="1468812"/>
+            <a:off x="5870682" y="1825625"/>
+            <a:ext cx="6321318" cy="2952115"/>
+          </a:xfrm>
+          <a:prstGeom prst="rect">
+            <a:avLst/>
+          </a:prstGeom>
+          <a:effectLst>
+            <a:softEdge rad="31750"/>
+          </a:effectLst>
+        </p:spPr>
+      </p:pic>
+    </p:spTree>
+    <p:extLst>
+      <p:ext uri="{BB962C8B-B14F-4D97-AF65-F5344CB8AC3E}">
+        <p14:creationId xmlns:p14="http://schemas.microsoft.com/office/powerpoint/2010/main" val="1015666286"/>
+      </p:ext>
+    </p:extLst>
+  </p:cSld>
+  <p:clrMapOvr>
+    <a:masterClrMapping/>
+  </p:clrMapOvr>
+</p:sld>
+</file>
+
+<file path=ppt/slides/slide6.xml><?xml version="1.0" encoding="utf-8"?>
+<p:sld xmlns:a="http://schemas.openxmlformats.org/drawingml/2006/main" xmlns:r="http://schemas.openxmlformats.org/officeDocument/2006/relationships" xmlns:p="http://schemas.openxmlformats.org/presentationml/2006/main">
+  <p:cSld>
+    <p:bg>
+      <p:bgPr>
+        <a:solidFill>
+          <a:schemeClr val="bg1">
+            <a:lumMod val="95000"/>
+          </a:schemeClr>
+        </a:solidFill>
+        <a:effectLst/>
+      </p:bgPr>
+    </p:bg>
+    <p:spTree>
+      <p:nvGrpSpPr>
+        <p:cNvPr id="1" name=""/>
+        <p:cNvGrpSpPr/>
+        <p:nvPr/>
+      </p:nvGrpSpPr>
+      <p:grpSpPr>
+        <a:xfrm>
+          <a:off x="0" y="0"/>
+          <a:ext cx="0" cy="0"/>
+          <a:chOff x="0" y="0"/>
+          <a:chExt cx="0" cy="0"/>
+        </a:xfrm>
+      </p:grpSpPr>
+      <p:sp>
+        <p:nvSpPr>
+          <p:cNvPr id="2" name="Naslov 1">
+            <a:extLst>
+              <a:ext uri="{FF2B5EF4-FFF2-40B4-BE49-F238E27FC236}">
+                <a16:creationId xmlns:a16="http://schemas.microsoft.com/office/drawing/2014/main" id="{BA1C1503-D00E-99FF-A07D-87E26855EA09}"/>
+              </a:ext>
+            </a:extLst>
+          </p:cNvPr>
+          <p:cNvSpPr>
+            <a:spLocks noGrp="1"/>
+          </p:cNvSpPr>
+          <p:nvPr>
+            <p:ph type="title"/>
+          </p:nvPr>
+        </p:nvSpPr>
+        <p:spPr/>
+        <p:txBody>
+          <a:bodyPr/>
+          <a:lstStyle/>
+          <a:p>
+            <a:r>
+              <a:rPr lang="en-US" dirty="0"/>
+              <a:t>Neural Network Approach</a:t>
+            </a:r>
+            <a:endParaRPr lang="sl-SI" dirty="0"/>
+          </a:p>
+        </p:txBody>
+      </p:sp>
+      <p:sp>
+        <p:nvSpPr>
+          <p:cNvPr id="3" name="Označba mesta vsebine 2">
+            <a:extLst>
+              <a:ext uri="{FF2B5EF4-FFF2-40B4-BE49-F238E27FC236}">
+                <a16:creationId xmlns:a16="http://schemas.microsoft.com/office/drawing/2014/main" id="{DF908D84-7DD0-983E-5C9B-81FDC75FD339}"/>
+              </a:ext>
+            </a:extLst>
+          </p:cNvPr>
+          <p:cNvSpPr>
+            <a:spLocks noGrp="1"/>
+          </p:cNvSpPr>
+          <p:nvPr>
+            <p:ph idx="1"/>
+          </p:nvPr>
+        </p:nvSpPr>
+        <p:spPr>
+          <a:xfrm>
+            <a:off x="205740" y="1825625"/>
+            <a:ext cx="5952565" cy="4351338"/>
+          </a:xfrm>
+        </p:spPr>
+        <p:txBody>
+          <a:bodyPr/>
+          <a:lstStyle/>
+          <a:p>
+            <a:r>
+              <a:rPr lang="en-US" dirty="0"/>
+              <a:t>Poor generalization of baseline model to the entire dataset – 13%</a:t>
+            </a:r>
+          </a:p>
+          <a:p>
+            <a:r>
+              <a:rPr lang="en-US" dirty="0"/>
+              <a:t>Fully connected MLP (100, 52, 52)</a:t>
+            </a:r>
+          </a:p>
+          <a:p>
+            <a:r>
+              <a:rPr lang="en-US" dirty="0"/>
+              <a:t>Two parameter model generalizes with 93% accuracy</a:t>
+            </a:r>
+          </a:p>
+          <a:p>
+            <a:endParaRPr lang="en-US" dirty="0"/>
+          </a:p>
+          <a:p>
+            <a:pPr marL="457200" lvl="1" indent="0">
+              <a:buNone/>
+            </a:pPr>
+            <a:endParaRPr lang="en-US" dirty="0"/>
+          </a:p>
+        </p:txBody>
+      </p:sp>
+      <p:pic>
+        <p:nvPicPr>
+          <p:cNvPr id="4" name="Slika 3">
+            <a:extLst>
+              <a:ext uri="{FF2B5EF4-FFF2-40B4-BE49-F238E27FC236}">
+                <a16:creationId xmlns:a16="http://schemas.microsoft.com/office/drawing/2014/main" id="{5B6BB8D6-3576-55B8-7F2A-C9383D648E11}"/>
+              </a:ext>
+            </a:extLst>
+          </p:cNvPr>
+          <p:cNvPicPr>
+            <a:picLocks noChangeAspect="1"/>
+          </p:cNvPicPr>
+          <p:nvPr/>
+        </p:nvPicPr>
+        <p:blipFill>
+          <a:blip r:embed="rId2"/>
+          <a:stretch>
+            <a:fillRect/>
+          </a:stretch>
+        </p:blipFill>
+        <p:spPr>
+          <a:xfrm>
+            <a:off x="6096000" y="1453572"/>
             <a:ext cx="5672389" cy="4621212"/>
           </a:xfrm>
           <a:prstGeom prst="rect">
@@ -3969,7 +5009,112 @@
     </p:spTree>
     <p:extLst>
       <p:ext uri="{BB962C8B-B14F-4D97-AF65-F5344CB8AC3E}">
-        <p14:creationId xmlns:p14="http://schemas.microsoft.com/office/powerpoint/2010/main" val="1015666286"/>
+        <p14:creationId xmlns:p14="http://schemas.microsoft.com/office/powerpoint/2010/main" val="497128569"/>
+      </p:ext>
+    </p:extLst>
+  </p:cSld>
+  <p:clrMapOvr>
+    <a:masterClrMapping/>
+  </p:clrMapOvr>
+</p:sld>
+</file>
+
+<file path=ppt/slides/slide7.xml><?xml version="1.0" encoding="utf-8"?>
+<p:sld xmlns:a="http://schemas.openxmlformats.org/drawingml/2006/main" xmlns:r="http://schemas.openxmlformats.org/officeDocument/2006/relationships" xmlns:p="http://schemas.openxmlformats.org/presentationml/2006/main">
+  <p:cSld>
+    <p:bg>
+      <p:bgPr>
+        <a:solidFill>
+          <a:schemeClr val="bg1">
+            <a:lumMod val="95000"/>
+          </a:schemeClr>
+        </a:solidFill>
+        <a:effectLst/>
+      </p:bgPr>
+    </p:bg>
+    <p:spTree>
+      <p:nvGrpSpPr>
+        <p:cNvPr id="1" name=""/>
+        <p:cNvGrpSpPr/>
+        <p:nvPr/>
+      </p:nvGrpSpPr>
+      <p:grpSpPr>
+        <a:xfrm>
+          <a:off x="0" y="0"/>
+          <a:ext cx="0" cy="0"/>
+          <a:chOff x="0" y="0"/>
+          <a:chExt cx="0" cy="0"/>
+        </a:xfrm>
+      </p:grpSpPr>
+      <p:sp>
+        <p:nvSpPr>
+          <p:cNvPr id="2" name="Naslov 1">
+            <a:extLst>
+              <a:ext uri="{FF2B5EF4-FFF2-40B4-BE49-F238E27FC236}">
+                <a16:creationId xmlns:a16="http://schemas.microsoft.com/office/drawing/2014/main" id="{BA1C1503-D00E-99FF-A07D-87E26855EA09}"/>
+              </a:ext>
+            </a:extLst>
+          </p:cNvPr>
+          <p:cNvSpPr>
+            <a:spLocks noGrp="1"/>
+          </p:cNvSpPr>
+          <p:nvPr>
+            <p:ph type="title"/>
+          </p:nvPr>
+        </p:nvSpPr>
+        <p:spPr/>
+        <p:txBody>
+          <a:bodyPr/>
+          <a:lstStyle/>
+          <a:p>
+            <a:r>
+              <a:rPr lang="en-US" dirty="0"/>
+              <a:t>LTN Approach</a:t>
+            </a:r>
+            <a:endParaRPr lang="sl-SI" dirty="0"/>
+          </a:p>
+        </p:txBody>
+      </p:sp>
+      <p:sp>
+        <p:nvSpPr>
+          <p:cNvPr id="3" name="Označba mesta vsebine 2">
+            <a:extLst>
+              <a:ext uri="{FF2B5EF4-FFF2-40B4-BE49-F238E27FC236}">
+                <a16:creationId xmlns:a16="http://schemas.microsoft.com/office/drawing/2014/main" id="{DF908D84-7DD0-983E-5C9B-81FDC75FD339}"/>
+              </a:ext>
+            </a:extLst>
+          </p:cNvPr>
+          <p:cNvSpPr>
+            <a:spLocks noGrp="1"/>
+          </p:cNvSpPr>
+          <p:nvPr>
+            <p:ph idx="1"/>
+          </p:nvPr>
+        </p:nvSpPr>
+        <p:spPr>
+          <a:xfrm>
+            <a:off x="205740" y="1825625"/>
+            <a:ext cx="5952565" cy="4351338"/>
+          </a:xfrm>
+        </p:spPr>
+        <p:txBody>
+          <a:bodyPr/>
+          <a:lstStyle/>
+          <a:p>
+            <a:endParaRPr lang="en-US" dirty="0"/>
+          </a:p>
+          <a:p>
+            <a:pPr marL="457200" lvl="1" indent="0">
+              <a:buNone/>
+            </a:pPr>
+            <a:endParaRPr lang="en-US" dirty="0"/>
+          </a:p>
+        </p:txBody>
+      </p:sp>
+    </p:spTree>
+    <p:extLst>
+      <p:ext uri="{BB962C8B-B14F-4D97-AF65-F5344CB8AC3E}">
+        <p14:creationId xmlns:p14="http://schemas.microsoft.com/office/powerpoint/2010/main" val="3487371680"/>
       </p:ext>
     </p:extLst>
   </p:cSld>
@@ -4292,4 +5437,319 @@
     </a:ext>
   </a:extLst>
 </a:theme>
+</file>
+
+<file path=ppt/theme/theme2.xml><?xml version="1.0" encoding="utf-8"?>
+<a:theme xmlns:a="http://schemas.openxmlformats.org/drawingml/2006/main" name="Officeova tema">
+  <a:themeElements>
+    <a:clrScheme name="Pisarna">
+      <a:dk1>
+        <a:sysClr val="windowText" lastClr="000000"/>
+      </a:dk1>
+      <a:lt1>
+        <a:sysClr val="window" lastClr="FFFFFF"/>
+      </a:lt1>
+      <a:dk2>
+        <a:srgbClr val="0E2841"/>
+      </a:dk2>
+      <a:lt2>
+        <a:srgbClr val="E8E8E8"/>
+      </a:lt2>
+      <a:accent1>
+        <a:srgbClr val="156082"/>
+      </a:accent1>
+      <a:accent2>
+        <a:srgbClr val="E97132"/>
+      </a:accent2>
+      <a:accent3>
+        <a:srgbClr val="196B24"/>
+      </a:accent3>
+      <a:accent4>
+        <a:srgbClr val="0F9ED5"/>
+      </a:accent4>
+      <a:accent5>
+        <a:srgbClr val="A02B93"/>
+      </a:accent5>
+      <a:accent6>
+        <a:srgbClr val="4EA72E"/>
+      </a:accent6>
+      <a:hlink>
+        <a:srgbClr val="467886"/>
+      </a:hlink>
+      <a:folHlink>
+        <a:srgbClr val="96607D"/>
+      </a:folHlink>
+    </a:clrScheme>
+    <a:fontScheme name="Pisarna">
+      <a:majorFont>
+        <a:latin typeface="Aptos Display" panose="02110004020202020204"/>
+        <a:ea typeface=""/>
+        <a:cs typeface=""/>
+        <a:font script="Jpan" typeface="游ゴシック Light"/>
+        <a:font script="Hang" typeface="맑은 고딕"/>
+        <a:font script="Hans" typeface="等线 Light"/>
+        <a:font script="Hant" typeface="新細明體"/>
+        <a:font script="Arab" typeface="Times New Roman"/>
+        <a:font script="Hebr" typeface="Times New Roman"/>
+        <a:font script="Thai" typeface="Angsana New"/>
+        <a:font script="Ethi" typeface="Nyala"/>
+        <a:font script="Beng" typeface="Vrinda"/>
+        <a:font script="Gujr" typeface="Shruti"/>
+        <a:font script="Khmr" typeface="MoolBoran"/>
+        <a:font script="Knda" typeface="Tunga"/>
+        <a:font script="Guru" typeface="Raavi"/>
+        <a:font script="Cans" typeface="Euphemia"/>
+        <a:font script="Cher" typeface="Plantagenet Cherokee"/>
+        <a:font script="Yiii" typeface="Microsoft Yi Baiti"/>
+        <a:font script="Tibt" typeface="Microsoft Himalaya"/>
+        <a:font script="Thaa" typeface="MV Boli"/>
+        <a:font script="Deva" typeface="Mangal"/>
+        <a:font script="Telu" typeface="Gautami"/>
+        <a:font script="Taml" typeface="Latha"/>
+        <a:font script="Syrc" typeface="Estrangelo Edessa"/>
+        <a:font script="Orya" typeface="Kalinga"/>
+        <a:font script="Mlym" typeface="Kartika"/>
+        <a:font script="Laoo" typeface="DokChampa"/>
+        <a:font script="Sinh" typeface="Iskoola Pota"/>
+        <a:font script="Mong" typeface="Mongolian Baiti"/>
+        <a:font script="Viet" typeface="Times New Roman"/>
+        <a:font script="Uigh" typeface="Microsoft Uighur"/>
+        <a:font script="Geor" typeface="Sylfaen"/>
+        <a:font script="Armn" typeface="Arial"/>
+        <a:font script="Bugi" typeface="Leelawadee UI"/>
+        <a:font script="Bopo" typeface="Microsoft JhengHei"/>
+        <a:font script="Java" typeface="Javanese Text"/>
+        <a:font script="Lisu" typeface="Segoe UI"/>
+        <a:font script="Mymr" typeface="Myanmar Text"/>
+        <a:font script="Nkoo" typeface="Ebrima"/>
+        <a:font script="Olck" typeface="Nirmala UI"/>
+        <a:font script="Osma" typeface="Ebrima"/>
+        <a:font script="Phag" typeface="Phagspa"/>
+        <a:font script="Syrn" typeface="Estrangelo Edessa"/>
+        <a:font script="Syrj" typeface="Estrangelo Edessa"/>
+        <a:font script="Syre" typeface="Estrangelo Edessa"/>
+        <a:font script="Sora" typeface="Nirmala UI"/>
+        <a:font script="Tale" typeface="Microsoft Tai Le"/>
+        <a:font script="Talu" typeface="Microsoft New Tai Lue"/>
+        <a:font script="Tfng" typeface="Ebrima"/>
+      </a:majorFont>
+      <a:minorFont>
+        <a:latin typeface="Aptos" panose="02110004020202020204"/>
+        <a:ea typeface=""/>
+        <a:cs typeface=""/>
+        <a:font script="Jpan" typeface="游ゴシック"/>
+        <a:font script="Hang" typeface="맑은 고딕"/>
+        <a:font script="Hans" typeface="等线"/>
+        <a:font script="Hant" typeface="新細明體"/>
+        <a:font script="Arab" typeface="Arial"/>
+        <a:font script="Hebr" typeface="Arial"/>
+        <a:font script="Thai" typeface="Cordia New"/>
+        <a:font script="Ethi" typeface="Nyala"/>
+        <a:font script="Beng" typeface="Vrinda"/>
+        <a:font script="Gujr" typeface="Shruti"/>
+        <a:font script="Khmr" typeface="DaunPenh"/>
+        <a:font script="Knda" typeface="Tunga"/>
+        <a:font script="Guru" typeface="Raavi"/>
+        <a:font script="Cans" typeface="Euphemia"/>
+        <a:font script="Cher" typeface="Plantagenet Cherokee"/>
+        <a:font script="Yiii" typeface="Microsoft Yi Baiti"/>
+        <a:font script="Tibt" typeface="Microsoft Himalaya"/>
+        <a:font script="Thaa" typeface="MV Boli"/>
+        <a:font script="Deva" typeface="Mangal"/>
+        <a:font script="Telu" typeface="Gautami"/>
+        <a:font script="Taml" typeface="Latha"/>
+        <a:font script="Syrc" typeface="Estrangelo Edessa"/>
+        <a:font script="Orya" typeface="Kalinga"/>
+        <a:font script="Mlym" typeface="Kartika"/>
+        <a:font script="Laoo" typeface="DokChampa"/>
+        <a:font script="Sinh" typeface="Iskoola Pota"/>
+        <a:font script="Mong" typeface="Mongolian Baiti"/>
+        <a:font script="Viet" typeface="Arial"/>
+        <a:font script="Uigh" typeface="Microsoft Uighur"/>
+        <a:font script="Geor" typeface="Sylfaen"/>
+        <a:font script="Armn" typeface="Arial"/>
+        <a:font script="Bugi" typeface="Leelawadee UI"/>
+        <a:font script="Bopo" typeface="Microsoft JhengHei"/>
+        <a:font script="Java" typeface="Javanese Text"/>
+        <a:font script="Lisu" typeface="Segoe UI"/>
+        <a:font script="Mymr" typeface="Myanmar Text"/>
+        <a:font script="Nkoo" typeface="Ebrima"/>
+        <a:font script="Olck" typeface="Nirmala UI"/>
+        <a:font script="Osma" typeface="Ebrima"/>
+        <a:font script="Phag" typeface="Phagspa"/>
+        <a:font script="Syrn" typeface="Estrangelo Edessa"/>
+        <a:font script="Syrj" typeface="Estrangelo Edessa"/>
+        <a:font script="Syre" typeface="Estrangelo Edessa"/>
+        <a:font script="Sora" typeface="Nirmala UI"/>
+        <a:font script="Tale" typeface="Microsoft Tai Le"/>
+        <a:font script="Talu" typeface="Microsoft New Tai Lue"/>
+        <a:font script="Tfng" typeface="Ebrima"/>
+      </a:minorFont>
+    </a:fontScheme>
+    <a:fmtScheme name="Pisarna">
+      <a:fillStyleLst>
+        <a:solidFill>
+          <a:schemeClr val="phClr"/>
+        </a:solidFill>
+        <a:gradFill rotWithShape="1">
+          <a:gsLst>
+            <a:gs pos="0">
+              <a:schemeClr val="phClr">
+                <a:lumMod val="110000"/>
+                <a:satMod val="105000"/>
+                <a:tint val="67000"/>
+              </a:schemeClr>
+            </a:gs>
+            <a:gs pos="50000">
+              <a:schemeClr val="phClr">
+                <a:lumMod val="105000"/>
+                <a:satMod val="103000"/>
+                <a:tint val="73000"/>
+              </a:schemeClr>
+            </a:gs>
+            <a:gs pos="100000">
+              <a:schemeClr val="phClr">
+                <a:lumMod val="105000"/>
+                <a:satMod val="109000"/>
+                <a:tint val="81000"/>
+              </a:schemeClr>
+            </a:gs>
+          </a:gsLst>
+          <a:lin ang="5400000" scaled="0"/>
+        </a:gradFill>
+        <a:gradFill rotWithShape="1">
+          <a:gsLst>
+            <a:gs pos="0">
+              <a:schemeClr val="phClr">
+                <a:satMod val="103000"/>
+                <a:lumMod val="102000"/>
+                <a:tint val="94000"/>
+              </a:schemeClr>
+            </a:gs>
+            <a:gs pos="50000">
+              <a:schemeClr val="phClr">
+                <a:satMod val="110000"/>
+                <a:lumMod val="100000"/>
+                <a:shade val="100000"/>
+              </a:schemeClr>
+            </a:gs>
+            <a:gs pos="100000">
+              <a:schemeClr val="phClr">
+                <a:lumMod val="99000"/>
+                <a:satMod val="120000"/>
+                <a:shade val="78000"/>
+              </a:schemeClr>
+            </a:gs>
+          </a:gsLst>
+          <a:lin ang="5400000" scaled="0"/>
+        </a:gradFill>
+      </a:fillStyleLst>
+      <a:lnStyleLst>
+        <a:ln w="12700" cap="flat" cmpd="sng" algn="ctr">
+          <a:solidFill>
+            <a:schemeClr val="phClr"/>
+          </a:solidFill>
+          <a:prstDash val="solid"/>
+          <a:miter lim="800000"/>
+        </a:ln>
+        <a:ln w="19050" cap="flat" cmpd="sng" algn="ctr">
+          <a:solidFill>
+            <a:schemeClr val="phClr"/>
+          </a:solidFill>
+          <a:prstDash val="solid"/>
+          <a:miter lim="800000"/>
+        </a:ln>
+        <a:ln w="25400" cap="flat" cmpd="sng" algn="ctr">
+          <a:solidFill>
+            <a:schemeClr val="phClr"/>
+          </a:solidFill>
+          <a:prstDash val="solid"/>
+          <a:miter lim="800000"/>
+        </a:ln>
+      </a:lnStyleLst>
+      <a:effectStyleLst>
+        <a:effectStyle>
+          <a:effectLst/>
+        </a:effectStyle>
+        <a:effectStyle>
+          <a:effectLst/>
+        </a:effectStyle>
+        <a:effectStyle>
+          <a:effectLst>
+            <a:outerShdw blurRad="57150" dist="19050" dir="5400000" algn="ctr" rotWithShape="0">
+              <a:srgbClr val="000000">
+                <a:alpha val="63000"/>
+              </a:srgbClr>
+            </a:outerShdw>
+          </a:effectLst>
+        </a:effectStyle>
+      </a:effectStyleLst>
+      <a:bgFillStyleLst>
+        <a:solidFill>
+          <a:schemeClr val="phClr"/>
+        </a:solidFill>
+        <a:solidFill>
+          <a:schemeClr val="phClr">
+            <a:tint val="95000"/>
+            <a:satMod val="170000"/>
+          </a:schemeClr>
+        </a:solidFill>
+        <a:gradFill rotWithShape="1">
+          <a:gsLst>
+            <a:gs pos="0">
+              <a:schemeClr val="phClr">
+                <a:tint val="93000"/>
+                <a:satMod val="150000"/>
+                <a:shade val="98000"/>
+                <a:lumMod val="102000"/>
+              </a:schemeClr>
+            </a:gs>
+            <a:gs pos="50000">
+              <a:schemeClr val="phClr">
+                <a:tint val="98000"/>
+                <a:satMod val="130000"/>
+                <a:shade val="90000"/>
+                <a:lumMod val="103000"/>
+              </a:schemeClr>
+            </a:gs>
+            <a:gs pos="100000">
+              <a:schemeClr val="phClr">
+                <a:shade val="63000"/>
+                <a:satMod val="120000"/>
+              </a:schemeClr>
+            </a:gs>
+          </a:gsLst>
+          <a:lin ang="5400000" scaled="0"/>
+        </a:gradFill>
+      </a:bgFillStyleLst>
+    </a:fmtScheme>
+  </a:themeElements>
+  <a:objectDefaults>
+    <a:lnDef>
+      <a:spPr/>
+      <a:bodyPr/>
+      <a:lstStyle/>
+      <a:style>
+        <a:lnRef idx="2">
+          <a:schemeClr val="accent1"/>
+        </a:lnRef>
+        <a:fillRef idx="0">
+          <a:schemeClr val="accent1"/>
+        </a:fillRef>
+        <a:effectRef idx="1">
+          <a:schemeClr val="accent1"/>
+        </a:effectRef>
+        <a:fontRef idx="minor">
+          <a:schemeClr val="tx1"/>
+        </a:fontRef>
+      </a:style>
+    </a:lnDef>
+  </a:objectDefaults>
+  <a:extraClrSchemeLst/>
+  <a:extLst>
+    <a:ext uri="{05A4C25C-085E-4340-85A3-A5531E510DB2}">
+      <thm15:themeFamily xmlns:thm15="http://schemas.microsoft.com/office/thememl/2012/main" name="Office Theme" id="{2E142A2C-CD16-42D6-873A-C26D2A0506FA}" vid="{1BDDFF52-6CD6-40A5-AB3C-68EB2F1E4D0A}"/>
+    </a:ext>
+  </a:extLst>
+</a:theme>
 </file>
--- a/presentation/Electric Grid Analysis.pptx
+++ b/presentation/Electric Grid Analysis.pptx
@@ -127,52 +127,6 @@
 </p188:authorLst>
 </file>
 
-<file path=ppt/comments/modernComment_100_524E9113.xml><?xml version="1.0" encoding="utf-8"?>
-<p188:cmLst xmlns:a="http://schemas.openxmlformats.org/drawingml/2006/main" xmlns:r="http://schemas.openxmlformats.org/officeDocument/2006/relationships" xmlns:p188="http://schemas.microsoft.com/office/powerpoint/2018/8/main">
-  <p188:cm id="{6EF7A2D6-C8B2-4E8D-854B-2B2AD81F409B}" authorId="{B15E988F-6EC9-1F9C-6B74-49D5FD6D305F}" created="2024-05-15T10:07:53.657">
-    <pc:sldMkLst xmlns:pc="http://schemas.microsoft.com/office/powerpoint/2013/main/command">
-      <pc:docMk/>
-      <pc:sldMk cId="1380880659" sldId="256"/>
-    </pc:sldMkLst>
-    <p188:txBody>
-      <a:bodyPr/>
-      <a:lstStyle/>
-      <a:p>
-        <a:r>
-          <a:rPr lang="sl-SI"/>
-          <a:t>General idea about the project:
-- Baseline model 
-- Two different approaches with different focuses
-- Why we chose LTNs (ground truth satisfaction)
-</a:t>
-        </a:r>
-      </a:p>
-    </p188:txBody>
-  </p188:cm>
-</p188:cmLst>
-</file>
-
-<file path=ppt/comments/modernComment_102_C96536CE.xml><?xml version="1.0" encoding="utf-8"?>
-<p188:cmLst xmlns:a="http://schemas.openxmlformats.org/drawingml/2006/main" xmlns:r="http://schemas.openxmlformats.org/officeDocument/2006/relationships" xmlns:p188="http://schemas.microsoft.com/office/powerpoint/2018/8/main">
-  <p188:cm id="{5C56579C-2CFF-48A6-8D4B-8709C9E00064}" authorId="{B15E988F-6EC9-1F9C-6B74-49D5FD6D305F}" created="2024-05-15T10:15:39.905">
-    <pc:sldMkLst xmlns:pc="http://schemas.microsoft.com/office/powerpoint/2013/main/command">
-      <pc:docMk/>
-      <pc:sldMk cId="3378853582" sldId="258"/>
-    </pc:sldMkLst>
-    <p188:txBody>
-      <a:bodyPr/>
-      <a:lstStyle/>
-      <a:p>
-        <a:r>
-          <a:rPr lang="sl-SI"/>
-          <a:t>Comment on predictive value of important variables. Accuracy of baseline 71% </a:t>
-        </a:r>
-      </a:p>
-    </p188:txBody>
-  </p188:cm>
-</p188:cmLst>
-</file>
-
 <file path=ppt/notesMasters/notesMaster1.xml><?xml version="1.0" encoding="utf-8"?>
 <p:notesMaster xmlns:a="http://schemas.openxmlformats.org/drawingml/2006/main" xmlns:r="http://schemas.openxmlformats.org/officeDocument/2006/relationships" xmlns:p="http://schemas.openxmlformats.org/presentationml/2006/main">
   <p:cSld>
@@ -255,7 +209,7 @@
           <a:p>
             <a:fld id="{78FA5AD0-027D-4F24-BAD4-99D4ADF219C5}" type="datetimeFigureOut">
               <a:rPr lang="sl-SI" smtClean="0"/>
-              <a:t>15. 05. 2024</a:t>
+              <a:t>24. 05. 2024</a:t>
             </a:fld>
             <a:endParaRPr lang="sl-SI"/>
           </a:p>
@@ -753,7 +707,7 @@
           <a:p>
             <a:fld id="{B95FF4E1-441B-4F27-B7D8-608E9CF6CC42}" type="datetimeFigureOut">
               <a:rPr lang="sl-SI" smtClean="0"/>
-              <a:t>15. 05. 2024</a:t>
+              <a:t>24. 05. 2024</a:t>
             </a:fld>
             <a:endParaRPr lang="sl-SI"/>
           </a:p>
@@ -951,7 +905,7 @@
           <a:p>
             <a:fld id="{B95FF4E1-441B-4F27-B7D8-608E9CF6CC42}" type="datetimeFigureOut">
               <a:rPr lang="sl-SI" smtClean="0"/>
-              <a:t>15. 05. 2024</a:t>
+              <a:t>24. 05. 2024</a:t>
             </a:fld>
             <a:endParaRPr lang="sl-SI"/>
           </a:p>
@@ -1159,7 +1113,7 @@
           <a:p>
             <a:fld id="{B95FF4E1-441B-4F27-B7D8-608E9CF6CC42}" type="datetimeFigureOut">
               <a:rPr lang="sl-SI" smtClean="0"/>
-              <a:t>15. 05. 2024</a:t>
+              <a:t>24. 05. 2024</a:t>
             </a:fld>
             <a:endParaRPr lang="sl-SI"/>
           </a:p>
@@ -1357,7 +1311,7 @@
           <a:p>
             <a:fld id="{B95FF4E1-441B-4F27-B7D8-608E9CF6CC42}" type="datetimeFigureOut">
               <a:rPr lang="sl-SI" smtClean="0"/>
-              <a:t>15. 05. 2024</a:t>
+              <a:t>24. 05. 2024</a:t>
             </a:fld>
             <a:endParaRPr lang="sl-SI"/>
           </a:p>
@@ -1632,7 +1586,7 @@
           <a:p>
             <a:fld id="{B95FF4E1-441B-4F27-B7D8-608E9CF6CC42}" type="datetimeFigureOut">
               <a:rPr lang="sl-SI" smtClean="0"/>
-              <a:t>15. 05. 2024</a:t>
+              <a:t>24. 05. 2024</a:t>
             </a:fld>
             <a:endParaRPr lang="sl-SI"/>
           </a:p>
@@ -1897,7 +1851,7 @@
           <a:p>
             <a:fld id="{B95FF4E1-441B-4F27-B7D8-608E9CF6CC42}" type="datetimeFigureOut">
               <a:rPr lang="sl-SI" smtClean="0"/>
-              <a:t>15. 05. 2024</a:t>
+              <a:t>24. 05. 2024</a:t>
             </a:fld>
             <a:endParaRPr lang="sl-SI"/>
           </a:p>
@@ -2309,7 +2263,7 @@
           <a:p>
             <a:fld id="{B95FF4E1-441B-4F27-B7D8-608E9CF6CC42}" type="datetimeFigureOut">
               <a:rPr lang="sl-SI" smtClean="0"/>
-              <a:t>15. 05. 2024</a:t>
+              <a:t>24. 05. 2024</a:t>
             </a:fld>
             <a:endParaRPr lang="sl-SI"/>
           </a:p>
@@ -2450,7 +2404,7 @@
           <a:p>
             <a:fld id="{B95FF4E1-441B-4F27-B7D8-608E9CF6CC42}" type="datetimeFigureOut">
               <a:rPr lang="sl-SI" smtClean="0"/>
-              <a:t>15. 05. 2024</a:t>
+              <a:t>24. 05. 2024</a:t>
             </a:fld>
             <a:endParaRPr lang="sl-SI"/>
           </a:p>
@@ -2563,7 +2517,7 @@
           <a:p>
             <a:fld id="{B95FF4E1-441B-4F27-B7D8-608E9CF6CC42}" type="datetimeFigureOut">
               <a:rPr lang="sl-SI" smtClean="0"/>
-              <a:t>15. 05. 2024</a:t>
+              <a:t>24. 05. 2024</a:t>
             </a:fld>
             <a:endParaRPr lang="sl-SI"/>
           </a:p>
@@ -2874,7 +2828,7 @@
           <a:p>
             <a:fld id="{B95FF4E1-441B-4F27-B7D8-608E9CF6CC42}" type="datetimeFigureOut">
               <a:rPr lang="sl-SI" smtClean="0"/>
-              <a:t>15. 05. 2024</a:t>
+              <a:t>24. 05. 2024</a:t>
             </a:fld>
             <a:endParaRPr lang="sl-SI"/>
           </a:p>
@@ -3162,7 +3116,7 @@
           <a:p>
             <a:fld id="{B95FF4E1-441B-4F27-B7D8-608E9CF6CC42}" type="datetimeFigureOut">
               <a:rPr lang="sl-SI" smtClean="0"/>
-              <a:t>15. 05. 2024</a:t>
+              <a:t>24. 05. 2024</a:t>
             </a:fld>
             <a:endParaRPr lang="sl-SI"/>
           </a:p>
@@ -3403,7 +3357,7 @@
           <a:p>
             <a:fld id="{B95FF4E1-441B-4F27-B7D8-608E9CF6CC42}" type="datetimeFigureOut">
               <a:rPr lang="sl-SI" smtClean="0"/>
-              <a:t>15. 05. 2024</a:t>
+              <a:t>24. 05. 2024</a:t>
             </a:fld>
             <a:endParaRPr lang="sl-SI"/>
           </a:p>
@@ -3904,7 +3858,7 @@
           <p:nvPr/>
         </p:nvPicPr>
         <p:blipFill>
-          <a:blip r:embed="rId3">
+          <a:blip r:embed="rId2">
             <a:extLst>
               <a:ext uri="{28A0092B-C50C-407E-A947-70E740481C1C}">
                 <a14:useLocalDpi xmlns:a14="http://schemas.microsoft.com/office/drawing/2010/main" val="0"/>
@@ -3949,11 +3903,6 @@
   <p:clrMapOvr>
     <a:masterClrMapping/>
   </p:clrMapOvr>
-  <p:extLst>
-    <p:ext uri="{6950BFC3-D8DA-4A85-94F7-54DA5524770B}">
-      <p188:commentRel xmlns:p188="http://schemas.microsoft.com/office/powerpoint/2018/8/main" r:id="rId2"/>
-    </p:ext>
-  </p:extLst>
 </p:sld>
 </file>
 
@@ -4671,7 +4620,7 @@
           <p:nvPr/>
         </p:nvPicPr>
         <p:blipFill>
-          <a:blip r:embed="rId3"/>
+          <a:blip r:embed="rId2"/>
           <a:stretch>
             <a:fillRect/>
           </a:stretch>
@@ -4699,11 +4648,6 @@
   <p:clrMapOvr>
     <a:masterClrMapping/>
   </p:clrMapOvr>
-  <p:extLst>
-    <p:ext uri="{6950BFC3-D8DA-4A85-94F7-54DA5524770B}">
-      <p188:commentRel xmlns:p188="http://schemas.microsoft.com/office/powerpoint/2018/8/main" r:id="rId2"/>
-    </p:ext>
-  </p:extLst>
 </p:sld>
 </file>
 
@@ -4791,13 +4735,13 @@
           <a:p>
             <a:r>
               <a:rPr lang="en-US" dirty="0"/>
-              <a:t>Poor generalization of baseline model to the entire dataset – 13%</a:t>
+              <a:t>Poor generalization of baseline model to the entire dataset </a:t>
             </a:r>
           </a:p>
           <a:p>
             <a:r>
               <a:rPr lang="en-US" dirty="0"/>
-              <a:t>Fully connected MLP (100, 52, 52)</a:t>
+              <a:t>Fully connected MLP (5, 2, 7)</a:t>
             </a:r>
           </a:p>
           <a:p>
@@ -4947,13 +4891,13 @@
           <a:p>
             <a:r>
               <a:rPr lang="en-US" dirty="0"/>
-              <a:t>Poor generalization of baseline model to the entire dataset – 13%</a:t>
+              <a:t>Poor generalization of baseline model to the entire dataset</a:t>
             </a:r>
           </a:p>
           <a:p>
             <a:r>
               <a:rPr lang="en-US" dirty="0"/>
-              <a:t>Fully connected MLP (100, 52, 52)</a:t>
+              <a:t>Fully connected MLP (5, 2, 7)</a:t>
             </a:r>
           </a:p>
           <a:p>
